--- a/01_PHP_1/04_html_css/slides/HTML_CSS_summary.pptx
+++ b/01_PHP_1/04_html_css/slides/HTML_CSS_summary.pptx
@@ -257,7 +257,7 @@
   </p:defaultTextStyle>
   <p:extLst>
     <p:ext uri="{EFAFB233-063F-42B5-8137-9DF3F51BA10A}">
-      <p15:sldGuideLst xmlns:p15="http://schemas.microsoft.com/office/powerpoint/2012/main" xmlns:p14="http://schemas.microsoft.com/office/powerpoint/2010/main" xmlns:com="http://schemas.openxmlformats.org/drawingml/2006/compatibility" xmlns:pvml="urn:schemas-microsoft-com:office:powerpoint" xmlns:v="urn:schemas-microsoft-com:vml" xmlns:o="urn:schemas-microsoft-com:office:office" xmlns:dgm="http://schemas.openxmlformats.org/drawingml/2006/diagram" xmlns:c="http://schemas.openxmlformats.org/drawingml/2006/chart" xmlns:mv="urn:schemas-microsoft-com:mac:vml" xmlns:mc="http://schemas.openxmlformats.org/markup-compatibility/2006" xmlns="">
+      <p15:sldGuideLst xmlns="" xmlns:mc="http://schemas.openxmlformats.org/markup-compatibility/2006" xmlns:mv="urn:schemas-microsoft-com:mac:vml" xmlns:c="http://schemas.openxmlformats.org/drawingml/2006/chart" xmlns:dgm="http://schemas.openxmlformats.org/drawingml/2006/diagram" xmlns:o="urn:schemas-microsoft-com:office:office" xmlns:v="urn:schemas-microsoft-com:vml" xmlns:pvml="urn:schemas-microsoft-com:office:powerpoint" xmlns:com="http://schemas.openxmlformats.org/drawingml/2006/compatibility" xmlns:p14="http://schemas.microsoft.com/office/powerpoint/2010/main" xmlns:p15="http://schemas.microsoft.com/office/powerpoint/2012/main">
         <p15:guide id="1" orient="horz" pos="1620">
           <p15:clr>
             <a:srgbClr val="000000"/>
@@ -271,7 +271,7 @@
       </p15:sldGuideLst>
     </p:ext>
     <p:ext uri="{2D200454-40CA-4A62-9FC3-DE9A4176ACB9}">
-      <p15:notesGuideLst xmlns:p15="http://schemas.microsoft.com/office/powerpoint/2012/main" xmlns:p14="http://schemas.microsoft.com/office/powerpoint/2010/main" xmlns:com="http://schemas.openxmlformats.org/drawingml/2006/compatibility" xmlns:pvml="urn:schemas-microsoft-com:office:powerpoint" xmlns:v="urn:schemas-microsoft-com:vml" xmlns:o="urn:schemas-microsoft-com:office:office" xmlns:dgm="http://schemas.openxmlformats.org/drawingml/2006/diagram" xmlns:c="http://schemas.openxmlformats.org/drawingml/2006/chart" xmlns:mv="urn:schemas-microsoft-com:mac:vml" xmlns:mc="http://schemas.openxmlformats.org/markup-compatibility/2006" xmlns="">
+      <p15:notesGuideLst xmlns="" xmlns:mc="http://schemas.openxmlformats.org/markup-compatibility/2006" xmlns:mv="urn:schemas-microsoft-com:mac:vml" xmlns:c="http://schemas.openxmlformats.org/drawingml/2006/chart" xmlns:dgm="http://schemas.openxmlformats.org/drawingml/2006/diagram" xmlns:o="urn:schemas-microsoft-com:office:office" xmlns:v="urn:schemas-microsoft-com:vml" xmlns:pvml="urn:schemas-microsoft-com:office:powerpoint" xmlns:com="http://schemas.openxmlformats.org/drawingml/2006/compatibility" xmlns:p14="http://schemas.microsoft.com/office/powerpoint/2010/main" xmlns:p15="http://schemas.microsoft.com/office/powerpoint/2012/main">
         <p15:guide id="1" orient="horz" pos="2880">
           <p15:clr>
             <a:srgbClr val="000000"/>
@@ -32510,12 +32510,95 @@
               <a:buNone/>
             </a:pPr>
             <a:r>
-              <a:rPr lang="en-US" sz="1600" b="1">
+              <a:rPr lang="en-US" sz="1600" b="1" dirty="0" err="1">
                 <a:solidFill>
                   <a:srgbClr val="3F3F3F"/>
                 </a:solidFill>
               </a:rPr>
-              <a:t>Всеки HTML документ -</a:t>
+              <a:t>Всеки</a:t>
+            </a:r>
+            <a:r>
+              <a:rPr lang="en-US" sz="1600" b="1" dirty="0">
+                <a:solidFill>
+                  <a:srgbClr val="3F3F3F"/>
+                </a:solidFill>
+              </a:rPr>
+              <a:t> HTML </a:t>
+            </a:r>
+            <a:r>
+              <a:rPr lang="en-US" sz="1600" b="1" dirty="0" err="1">
+                <a:solidFill>
+                  <a:srgbClr val="3F3F3F"/>
+                </a:solidFill>
+              </a:rPr>
+              <a:t>документ</a:t>
+            </a:r>
+            <a:r>
+              <a:rPr lang="en-US" sz="1600" b="1" dirty="0">
+                <a:solidFill>
+                  <a:srgbClr val="3F3F3F"/>
+                </a:solidFill>
+              </a:rPr>
+              <a:t> </a:t>
+            </a:r>
+            <a:r>
+              <a:rPr lang="en-US" sz="1600" b="1" dirty="0" smtClean="0">
+                <a:solidFill>
+                  <a:srgbClr val="3F3F3F"/>
+                </a:solidFill>
+              </a:rPr>
+              <a:t>–</a:t>
+            </a:r>
+          </a:p>
+          <a:p>
+            <a:pPr marL="107999" marR="0" lvl="0" indent="0" algn="l" rtl="0">
+              <a:lnSpc>
+                <a:spcPct val="100000"/>
+              </a:lnSpc>
+              <a:spcBef>
+                <a:spcPts val="1417"/>
+              </a:spcBef>
+              <a:spcAft>
+                <a:spcPts val="0"/>
+              </a:spcAft>
+              <a:buClr>
+                <a:srgbClr val="FF00FF"/>
+              </a:buClr>
+              <a:buSzPts val="720"/>
+              <a:buFont typeface="Noto Sans Symbols"/>
+              <a:buNone/>
+            </a:pPr>
+            <a:r>
+              <a:rPr lang="en-US" sz="1600" b="1" dirty="0">
+                <a:solidFill>
+                  <a:srgbClr val="3F3F3F"/>
+                </a:solidFill>
+              </a:rPr>
+              <a:t>	</a:t>
+            </a:r>
+            <a:r>
+              <a:rPr lang="en-US" sz="1600" b="1" dirty="0" err="1" smtClean="0">
+                <a:solidFill>
+                  <a:srgbClr val="3F3F3F"/>
+                </a:solidFill>
+              </a:rPr>
+              <a:t>Doctype</a:t>
+            </a:r>
+            <a:r>
+              <a:rPr lang="en-US" sz="1600" b="1" dirty="0" smtClean="0">
+                <a:solidFill>
+                  <a:srgbClr val="3F3F3F"/>
+                </a:solidFill>
+              </a:rPr>
+              <a:t> </a:t>
+            </a:r>
+            <a:r>
+              <a:rPr lang="bg-BG" sz="1600" b="1" smtClean="0">
+                <a:solidFill>
+                  <a:srgbClr val="3F3F3F"/>
+                </a:solidFill>
+              </a:rPr>
+              <a:t>декларация</a:t>
             </a:r>
             <a:endParaRPr sz="1600" b="1">
               <a:solidFill>
@@ -32542,7 +32625,7 @@
               <a:buNone/>
             </a:pPr>
             <a:r>
-              <a:rPr lang="en-US" sz="1600" b="1">
+              <a:rPr lang="en-US" sz="1600" b="1" dirty="0">
                 <a:solidFill>
                   <a:srgbClr val="3F3F3F"/>
                 </a:solidFill>
@@ -32550,14 +32633,22 @@
               <a:t>	head - </a:t>
             </a:r>
             <a:r>
-              <a:rPr lang="en-US" sz="1600">
+              <a:rPr lang="en-US" sz="1600" dirty="0" err="1">
                 <a:solidFill>
                   <a:srgbClr val="3F3F3F"/>
                 </a:solidFill>
               </a:rPr>
-              <a:t>попълнен title</a:t>
+              <a:t>попълнен</a:t>
             </a:r>
-            <a:endParaRPr sz="1600">
+            <a:r>
+              <a:rPr lang="en-US" sz="1600" dirty="0">
+                <a:solidFill>
+                  <a:srgbClr val="3F3F3F"/>
+                </a:solidFill>
+              </a:rPr>
+              <a:t> title</a:t>
+            </a:r>
+            <a:endParaRPr sz="1600" dirty="0">
               <a:solidFill>
                 <a:srgbClr val="3F3F3F"/>
               </a:solidFill>
@@ -32582,14 +32673,14 @@
               <a:buNone/>
             </a:pPr>
             <a:r>
-              <a:rPr lang="en-US" sz="1600" b="1">
+              <a:rPr lang="en-US" sz="1600" b="1" dirty="0">
                 <a:solidFill>
                   <a:srgbClr val="3F3F3F"/>
                 </a:solidFill>
               </a:rPr>
               <a:t>	body - 	</a:t>
             </a:r>
-            <a:endParaRPr sz="1600" b="1">
+            <a:endParaRPr sz="1600" b="1" dirty="0">
               <a:solidFill>
                 <a:srgbClr val="3F3F3F"/>
               </a:solidFill>
@@ -32614,7 +32705,7 @@
               <a:buNone/>
             </a:pPr>
             <a:r>
-              <a:rPr lang="en-US" sz="1600" b="1">
+              <a:rPr lang="en-US" sz="1600" b="1" dirty="0">
                 <a:solidFill>
                   <a:srgbClr val="3F3F3F"/>
                 </a:solidFill>
@@ -32622,14 +32713,54 @@
               <a:t>			div class=wrapper/wrap </a:t>
             </a:r>
             <a:r>
-              <a:rPr lang="en-US" sz="1600">
+              <a:rPr lang="en-US" sz="1600" dirty="0">
                 <a:solidFill>
                   <a:srgbClr val="3F3F3F"/>
                 </a:solidFill>
               </a:rPr>
-              <a:t>в който са вложени</a:t>
+              <a:t>в </a:t>
             </a:r>
-            <a:endParaRPr sz="1600">
+            <a:r>
+              <a:rPr lang="en-US" sz="1600" dirty="0" err="1">
+                <a:solidFill>
+                  <a:srgbClr val="3F3F3F"/>
+                </a:solidFill>
+              </a:rPr>
+              <a:t>който</a:t>
+            </a:r>
+            <a:r>
+              <a:rPr lang="en-US" sz="1600" dirty="0">
+                <a:solidFill>
+                  <a:srgbClr val="3F3F3F"/>
+                </a:solidFill>
+              </a:rPr>
+              <a:t> </a:t>
+            </a:r>
+            <a:r>
+              <a:rPr lang="en-US" sz="1600" dirty="0" err="1">
+                <a:solidFill>
+                  <a:srgbClr val="3F3F3F"/>
+                </a:solidFill>
+              </a:rPr>
+              <a:t>са</a:t>
+            </a:r>
+            <a:r>
+              <a:rPr lang="en-US" sz="1600" dirty="0">
+                <a:solidFill>
+                  <a:srgbClr val="3F3F3F"/>
+                </a:solidFill>
+              </a:rPr>
+              <a:t> </a:t>
+            </a:r>
+            <a:r>
+              <a:rPr lang="en-US" sz="1600" dirty="0" err="1">
+                <a:solidFill>
+                  <a:srgbClr val="3F3F3F"/>
+                </a:solidFill>
+              </a:rPr>
+              <a:t>вложени</a:t>
+            </a:r>
+            <a:endParaRPr sz="1600" dirty="0">
               <a:solidFill>
                 <a:srgbClr val="3F3F3F"/>
               </a:solidFill>
@@ -32654,14 +32785,14 @@
               <a:buNone/>
             </a:pPr>
             <a:r>
-              <a:rPr lang="en-US" sz="1600" b="1">
+              <a:rPr lang="en-US" sz="1600" b="1" dirty="0">
                 <a:solidFill>
                   <a:srgbClr val="3F3F3F"/>
                 </a:solidFill>
               </a:rPr>
               <a:t>div class = header/header</a:t>
             </a:r>
-            <a:endParaRPr sz="1600" b="1">
+            <a:endParaRPr sz="1600" b="1" dirty="0">
               <a:solidFill>
                 <a:srgbClr val="3F3F3F"/>
               </a:solidFill>
@@ -32686,14 +32817,14 @@
               <a:buNone/>
             </a:pPr>
             <a:r>
-              <a:rPr lang="en-US" sz="1600" b="1">
+              <a:rPr lang="en-US" sz="1600" b="1" dirty="0">
                 <a:solidFill>
                   <a:srgbClr val="3F3F3F"/>
                 </a:solidFill>
               </a:rPr>
               <a:t>				div class = main/main</a:t>
             </a:r>
-            <a:endParaRPr sz="1600" b="1">
+            <a:endParaRPr sz="1600" b="1" dirty="0">
               <a:solidFill>
                 <a:srgbClr val="3F3F3F"/>
               </a:solidFill>
@@ -32718,14 +32849,14 @@
               <a:buNone/>
             </a:pPr>
             <a:r>
-              <a:rPr lang="en-US" sz="1600" b="1">
+              <a:rPr lang="en-US" sz="1600" b="1" dirty="0">
                 <a:solidFill>
                   <a:srgbClr val="3F3F3F"/>
                 </a:solidFill>
               </a:rPr>
               <a:t>				div class = footer/footer</a:t>
             </a:r>
-            <a:endParaRPr sz="1600" b="1">
+            <a:endParaRPr sz="1600" b="1" dirty="0">
               <a:solidFill>
                 <a:srgbClr val="3F3F3F"/>
               </a:solidFill>
@@ -32749,7 +32880,7 @@
               <a:buFont typeface="Noto Sans Symbols"/>
               <a:buNone/>
             </a:pPr>
-            <a:endParaRPr sz="2000" b="0" i="0" u="none" strike="noStrike" cap="none">
+            <a:endParaRPr sz="2000" b="0" i="0" u="none" strike="noStrike" cap="none" dirty="0">
               <a:solidFill>
                 <a:srgbClr val="262626"/>
               </a:solidFill>

--- a/01_PHP_1/04_html_css/slides/HTML_CSS_summary.pptx
+++ b/01_PHP_1/04_html_css/slides/HTML_CSS_summary.pptx
@@ -257,7 +257,7 @@
   </p:defaultTextStyle>
   <p:extLst>
     <p:ext uri="{EFAFB233-063F-42B5-8137-9DF3F51BA10A}">
-      <p15:sldGuideLst xmlns="" xmlns:mc="http://schemas.openxmlformats.org/markup-compatibility/2006" xmlns:mv="urn:schemas-microsoft-com:mac:vml" xmlns:c="http://schemas.openxmlformats.org/drawingml/2006/chart" xmlns:dgm="http://schemas.openxmlformats.org/drawingml/2006/diagram" xmlns:o="urn:schemas-microsoft-com:office:office" xmlns:v="urn:schemas-microsoft-com:vml" xmlns:pvml="urn:schemas-microsoft-com:office:powerpoint" xmlns:com="http://schemas.openxmlformats.org/drawingml/2006/compatibility" xmlns:p14="http://schemas.microsoft.com/office/powerpoint/2010/main" xmlns:p15="http://schemas.microsoft.com/office/powerpoint/2012/main">
+      <p15:sldGuideLst xmlns:p15="http://schemas.microsoft.com/office/powerpoint/2012/main" xmlns:p14="http://schemas.microsoft.com/office/powerpoint/2010/main" xmlns:com="http://schemas.openxmlformats.org/drawingml/2006/compatibility" xmlns:pvml="urn:schemas-microsoft-com:office:powerpoint" xmlns:v="urn:schemas-microsoft-com:vml" xmlns:o="urn:schemas-microsoft-com:office:office" xmlns:dgm="http://schemas.openxmlformats.org/drawingml/2006/diagram" xmlns:c="http://schemas.openxmlformats.org/drawingml/2006/chart" xmlns:mv="urn:schemas-microsoft-com:mac:vml" xmlns:mc="http://schemas.openxmlformats.org/markup-compatibility/2006" xmlns="">
         <p15:guide id="1" orient="horz" pos="1620">
           <p15:clr>
             <a:srgbClr val="000000"/>
@@ -271,7 +271,7 @@
       </p15:sldGuideLst>
     </p:ext>
     <p:ext uri="{2D200454-40CA-4A62-9FC3-DE9A4176ACB9}">
-      <p15:notesGuideLst xmlns="" xmlns:mc="http://schemas.openxmlformats.org/markup-compatibility/2006" xmlns:mv="urn:schemas-microsoft-com:mac:vml" xmlns:c="http://schemas.openxmlformats.org/drawingml/2006/chart" xmlns:dgm="http://schemas.openxmlformats.org/drawingml/2006/diagram" xmlns:o="urn:schemas-microsoft-com:office:office" xmlns:v="urn:schemas-microsoft-com:vml" xmlns:pvml="urn:schemas-microsoft-com:office:powerpoint" xmlns:com="http://schemas.openxmlformats.org/drawingml/2006/compatibility" xmlns:p14="http://schemas.microsoft.com/office/powerpoint/2010/main" xmlns:p15="http://schemas.microsoft.com/office/powerpoint/2012/main">
+      <p15:notesGuideLst xmlns:p15="http://schemas.microsoft.com/office/powerpoint/2012/main" xmlns:p14="http://schemas.microsoft.com/office/powerpoint/2010/main" xmlns:com="http://schemas.openxmlformats.org/drawingml/2006/compatibility" xmlns:pvml="urn:schemas-microsoft-com:office:powerpoint" xmlns:v="urn:schemas-microsoft-com:vml" xmlns:o="urn:schemas-microsoft-com:office:office" xmlns:dgm="http://schemas.openxmlformats.org/drawingml/2006/diagram" xmlns:c="http://schemas.openxmlformats.org/drawingml/2006/chart" xmlns:mv="urn:schemas-microsoft-com:mac:vml" xmlns:mc="http://schemas.openxmlformats.org/markup-compatibility/2006" xmlns="">
         <p15:guide id="1" orient="horz" pos="2880">
           <p15:clr>
             <a:srgbClr val="000000"/>
@@ -32569,14 +32569,6 @@
               <a:buNone/>
             </a:pPr>
             <a:r>
-              <a:rPr lang="en-US" sz="1600" b="1" dirty="0">
-                <a:solidFill>
-                  <a:srgbClr val="3F3F3F"/>
-                </a:solidFill>
-              </a:rPr>
-              <a:t>	</a:t>
-            </a:r>
-            <a:r>
               <a:rPr lang="en-US" sz="1600" b="1" dirty="0" err="1" smtClean="0">
                 <a:solidFill>
                   <a:srgbClr val="3F3F3F"/>
@@ -32593,14 +32585,14 @@
               <a:t> </a:t>
             </a:r>
             <a:r>
-              <a:rPr lang="bg-BG" sz="1600" b="1" smtClean="0">
+              <a:rPr lang="bg-BG" sz="1600" b="1" dirty="0" smtClean="0">
                 <a:solidFill>
                   <a:srgbClr val="3F3F3F"/>
                 </a:solidFill>
               </a:rPr>
               <a:t>декларация</a:t>
             </a:r>
-            <a:endParaRPr sz="1600" b="1">
+            <a:endParaRPr lang="en-US" sz="1600" b="1" dirty="0" smtClean="0">
               <a:solidFill>
                 <a:srgbClr val="3F3F3F"/>
               </a:solidFill>
@@ -32625,6 +32617,70 @@
               <a:buNone/>
             </a:pPr>
             <a:r>
+              <a:rPr lang="en-US" sz="1600" b="1" dirty="0" smtClean="0">
+                <a:solidFill>
+                  <a:srgbClr val="3F3F3F"/>
+                </a:solidFill>
+              </a:rPr>
+              <a:t>h</a:t>
+            </a:r>
+            <a:r>
+              <a:rPr lang="en-US" sz="1600" b="1" smtClean="0">
+                <a:solidFill>
+                  <a:srgbClr val="3F3F3F"/>
+                </a:solidFill>
+              </a:rPr>
+              <a:t>tml </a:t>
+            </a:r>
+            <a:r>
+              <a:rPr lang="en-US" sz="1600" b="1" dirty="0" smtClean="0">
+                <a:solidFill>
+                  <a:srgbClr val="3F3F3F"/>
+                </a:solidFill>
+              </a:rPr>
+              <a:t>- </a:t>
+            </a:r>
+            <a:r>
+              <a:rPr lang="bg-BG" sz="1600" b="1" dirty="0" smtClean="0">
+                <a:solidFill>
+                  <a:srgbClr val="3F3F3F"/>
+                </a:solidFill>
+              </a:rPr>
+              <a:t>елемент</a:t>
+            </a:r>
+            <a:r>
+              <a:rPr lang="en-US" sz="1600" b="1" dirty="0">
+                <a:solidFill>
+                  <a:srgbClr val="3F3F3F"/>
+                </a:solidFill>
+              </a:rPr>
+              <a:t>	</a:t>
+            </a:r>
+            <a:endParaRPr sz="1600" b="1" dirty="0">
+              <a:solidFill>
+                <a:srgbClr val="3F3F3F"/>
+              </a:solidFill>
+            </a:endParaRPr>
+          </a:p>
+          <a:p>
+            <a:pPr marL="107999" marR="0" lvl="0" indent="0" algn="l" rtl="0">
+              <a:lnSpc>
+                <a:spcPct val="100000"/>
+              </a:lnSpc>
+              <a:spcBef>
+                <a:spcPts val="1417"/>
+              </a:spcBef>
+              <a:spcAft>
+                <a:spcPts val="0"/>
+              </a:spcAft>
+              <a:buClr>
+                <a:srgbClr val="FF00FF"/>
+              </a:buClr>
+              <a:buSzPts val="720"/>
+              <a:buFont typeface="Noto Sans Symbols"/>
+              <a:buNone/>
+            </a:pPr>
+            <a:r>
               <a:rPr lang="en-US" sz="1600" b="1" dirty="0">
                 <a:solidFill>
                   <a:srgbClr val="3F3F3F"/>
@@ -32646,7 +32702,15 @@
                   <a:srgbClr val="3F3F3F"/>
                 </a:solidFill>
               </a:rPr>
-              <a:t> title</a:t>
+              <a:t> </a:t>
+            </a:r>
+            <a:r>
+              <a:rPr lang="en-US" sz="1600" dirty="0" smtClean="0">
+                <a:solidFill>
+                  <a:srgbClr val="3F3F3F"/>
+                </a:solidFill>
+              </a:rPr>
+              <a:t>title, meta charset</a:t>
             </a:r>
             <a:endParaRPr sz="1600" dirty="0">
               <a:solidFill>
